--- a/docs/presentations/SUPERVOID_pitch.pptx
+++ b/docs/presentations/SUPERVOID_pitch.pptx
@@ -111,6 +111,11 @@
       </a:defRPr>
     </a:lvl9pPr>
   </p:defaultTextStyle>
+  <p:extLst>
+    <p:ext uri="{EFAFB233-063F-42B5-8137-9DF3F51BA10A}">
+      <p15:sldGuideLst xmlns:p15="http://schemas.microsoft.com/office/powerpoint/2012/main"/>
+    </p:ext>
+  </p:extLst>
 </p:presentation>
 </file>
 
@@ -7266,13 +7271,13 @@
         <p:spPr/>
         <p:txBody>
           <a:bodyPr>
-            <a:normAutofit fontScale="77500" lnSpcReduction="20000"/>
+            <a:normAutofit/>
           </a:bodyPr>
           <a:lstStyle/>
           <a:p>
             <a:r>
               <a:rPr lang="en-US" dirty="0"/>
-              <a:t>Week 11:</a:t>
+              <a:t>Week 11-16:</a:t>
             </a:r>
           </a:p>
           <a:p>
@@ -7290,68 +7295,32 @@
             </a:r>
           </a:p>
           <a:p>
-            <a:r>
-              <a:rPr lang="en-US" dirty="0"/>
-              <a:t>Week 12:</a:t>
-            </a:r>
-          </a:p>
-          <a:p>
             <a:pPr lvl="1"/>
             <a:r>
               <a:rPr lang="en-US" dirty="0"/>
-              <a:t>Graphics/Audio pass</a:t>
-            </a:r>
-          </a:p>
-          <a:p>
-            <a:pPr lvl="1"/>
-            <a:r>
-              <a:rPr lang="en-US" dirty="0"/>
-              <a:t>Quality of life improvements</a:t>
+              <a:t>Make Quality of Life improvements</a:t>
             </a:r>
           </a:p>
           <a:p>
             <a:pPr lvl="2"/>
             <a:r>
               <a:rPr lang="en-US" dirty="0"/>
-              <a:t>Bug fixes, additional polish, etc.</a:t>
-            </a:r>
-          </a:p>
-          <a:p>
-            <a:r>
-              <a:rPr lang="en-US" dirty="0"/>
-              <a:t>Week 13:</a:t>
-            </a:r>
-          </a:p>
-          <a:p>
-            <a:pPr lvl="1"/>
-            <a:r>
-              <a:rPr lang="en-US" dirty="0"/>
-              <a:t>QOL</a:t>
-            </a:r>
-          </a:p>
-          <a:p>
-            <a:pPr lvl="1"/>
-            <a:r>
-              <a:rPr lang="en-US" dirty="0"/>
-              <a:t>Planet Enemy</a:t>
-            </a:r>
-          </a:p>
-          <a:p>
-            <a:r>
-              <a:rPr lang="en-US" dirty="0"/>
-              <a:t>Week 14:</a:t>
-            </a:r>
-          </a:p>
-          <a:p>
-            <a:pPr lvl="1"/>
-            <a:r>
-              <a:rPr lang="en-US" dirty="0"/>
-              <a:t>QOL</a:t>
-            </a:r>
-          </a:p>
-          <a:p>
-            <a:pPr lvl="1"/>
-            <a:endParaRPr lang="en-US" dirty="0"/>
+              <a:t>Bugfixes</a:t>
+            </a:r>
+          </a:p>
+          <a:p>
+            <a:pPr lvl="2"/>
+            <a:r>
+              <a:rPr lang="en-US" dirty="0"/>
+              <a:t>Tune ups</a:t>
+            </a:r>
+          </a:p>
+          <a:p>
+            <a:pPr lvl="2"/>
+            <a:r>
+              <a:rPr lang="en-US" dirty="0"/>
+              <a:t>Stretch goals</a:t>
+            </a:r>
           </a:p>
           <a:p>
             <a:pPr lvl="1"/>
